--- a/EDA INNOMATICS/Innomatics_Project_Report.pptx
+++ b/EDA INNOMATICS/Innomatics_Project_Report.pptx
@@ -280,7 +280,7 @@
       <p15:sldGuideLst xmlns:p15="http://schemas.microsoft.com/office/powerpoint/2012/main"/>
     </p:ext>
     <p:ext uri="GoogleSlidesCustomDataVersion2">
-      <go:slidesCustomData xmlns:go="http://customooxmlschemas.google.com/" xmlns:ahyp="http://schemas.microsoft.com/office/drawing/2018/hyperlinkcolor" xmlns:p15="http://schemas.microsoft.com/office/powerpoint/2012/main" xmlns:p14="http://schemas.microsoft.com/office/powerpoint/2010/main" xmlns:com="http://schemas.openxmlformats.org/drawingml/2006/compatibility" xmlns:pvml="urn:schemas-microsoft-com:office:powerpoint" xmlns:v="urn:schemas-microsoft-com:vml" xmlns:o="urn:schemas-microsoft-com:office:office" xmlns:dgm="http://schemas.openxmlformats.org/drawingml/2006/diagram" xmlns:c="http://schemas.openxmlformats.org/drawingml/2006/chart" xmlns:mv="urn:schemas-microsoft-com:mac:vml" xmlns:mc="http://schemas.openxmlformats.org/markup-compatibility/2006" xmlns="" r:id="rId27" roundtripDataSignature="AMtx7mhnFQsu0qTBRZ+C47HNp0tuHCNkog=="/>
+      <go:slidesCustomData xmlns="" xmlns:mc="http://schemas.openxmlformats.org/markup-compatibility/2006" xmlns:mv="urn:schemas-microsoft-com:mac:vml" xmlns:c="http://schemas.openxmlformats.org/drawingml/2006/chart" xmlns:dgm="http://schemas.openxmlformats.org/drawingml/2006/diagram" xmlns:o="urn:schemas-microsoft-com:office:office" xmlns:v="urn:schemas-microsoft-com:vml" xmlns:pvml="urn:schemas-microsoft-com:office:powerpoint" xmlns:com="http://schemas.openxmlformats.org/drawingml/2006/compatibility" xmlns:p14="http://schemas.microsoft.com/office/powerpoint/2010/main" xmlns:p15="http://schemas.microsoft.com/office/powerpoint/2012/main" xmlns:ahyp="http://schemas.microsoft.com/office/drawing/2018/hyperlinkcolor" xmlns:go="http://customooxmlschemas.google.com/" r:id="rId27" roundtripDataSignature="AMtx7mhnFQsu0qTBRZ+C47HNp0tuHCNkog=="/>
     </p:ext>
   </p:extLst>
 </p:presentation>
@@ -16376,7 +16376,17 @@
                 <a:effectLst/>
                 <a:latin typeface="Söhne"/>
               </a:rPr>
-              <a:t>The main objective of the project is to conduct an Exploratory Data Analysis (EDA) on the Aspiring Mind Employment Outcome 2015 (AMEO) dataset. The analysis aims to uncover patterns, relationships, and insights regarding the employment outcomes of engineering graduates,</a:t>
+              <a:t>The main objective of the project is to conduct an Exploratory Data Analysis (EDA) on the Aspiring Mind Employment Outcome 2015 (AMEO) dataset. The analysis aims to uncover patterns, relationships, and insights regarding the employment outcomes of </a:t>
+            </a:r>
+            <a:r>
+              <a:rPr lang="en-US" b="0" i="0">
+                <a:solidFill>
+                  <a:srgbClr val="0D0D0D"/>
+                </a:solidFill>
+                <a:effectLst/>
+                <a:latin typeface="Söhne"/>
+              </a:rPr>
+              <a:t>engineering graduates.</a:t>
             </a:r>
             <a:endParaRPr dirty="0"/>
           </a:p>

--- a/EDA INNOMATICS/Innomatics_Project_Report.pptx
+++ b/EDA INNOMATICS/Innomatics_Project_Report.pptx
@@ -5,7 +5,7 @@
     <p:sldMasterId id="2147483648" r:id="rId1"/>
   </p:sldMasterIdLst>
   <p:notesMasterIdLst>
-    <p:notesMasterId r:id="rId17"/>
+    <p:notesMasterId r:id="rId16"/>
   </p:notesMasterIdLst>
   <p:sldIdLst>
     <p:sldId id="256" r:id="rId2"/>
@@ -19,31 +19,30 @@
     <p:sldId id="265" r:id="rId10"/>
     <p:sldId id="268" r:id="rId11"/>
     <p:sldId id="267" r:id="rId12"/>
-    <p:sldId id="269" r:id="rId13"/>
-    <p:sldId id="270" r:id="rId14"/>
-    <p:sldId id="271" r:id="rId15"/>
-    <p:sldId id="259" r:id="rId16"/>
+    <p:sldId id="270" r:id="rId13"/>
+    <p:sldId id="271" r:id="rId14"/>
+    <p:sldId id="259" r:id="rId15"/>
   </p:sldIdLst>
   <p:sldSz cx="12192000" cy="6858000"/>
   <p:notesSz cx="6858000" cy="9144000"/>
   <p:embeddedFontLst>
     <p:embeddedFont>
       <p:font typeface="Cambria" panose="02040503050406030204" pitchFamily="18" charset="0"/>
-      <p:regular r:id="rId18"/>
-      <p:bold r:id="rId19"/>
-      <p:italic r:id="rId20"/>
-      <p:boldItalic r:id="rId21"/>
+      <p:regular r:id="rId17"/>
+      <p:bold r:id="rId18"/>
+      <p:italic r:id="rId19"/>
+      <p:boldItalic r:id="rId20"/>
     </p:embeddedFont>
     <p:embeddedFont>
       <p:font typeface="Lato Black" panose="020F0502020204030203" pitchFamily="34" charset="0"/>
-      <p:bold r:id="rId22"/>
-      <p:boldItalic r:id="rId23"/>
+      <p:bold r:id="rId21"/>
+      <p:boldItalic r:id="rId22"/>
     </p:embeddedFont>
     <p:embeddedFont>
       <p:font typeface="Libre Baskerville" panose="02000000000000000000" pitchFamily="2" charset="0"/>
-      <p:regular r:id="rId24"/>
-      <p:bold r:id="rId25"/>
-      <p:italic r:id="rId26"/>
+      <p:regular r:id="rId23"/>
+      <p:bold r:id="rId24"/>
+      <p:italic r:id="rId25"/>
     </p:embeddedFont>
   </p:embeddedFontLst>
   <p:defaultTextStyle>
@@ -280,7 +279,7 @@
       <p15:sldGuideLst xmlns:p15="http://schemas.microsoft.com/office/powerpoint/2012/main"/>
     </p:ext>
     <p:ext uri="GoogleSlidesCustomDataVersion2">
-      <go:slidesCustomData xmlns="" xmlns:mc="http://schemas.openxmlformats.org/markup-compatibility/2006" xmlns:mv="urn:schemas-microsoft-com:mac:vml" xmlns:c="http://schemas.openxmlformats.org/drawingml/2006/chart" xmlns:dgm="http://schemas.openxmlformats.org/drawingml/2006/diagram" xmlns:o="urn:schemas-microsoft-com:office:office" xmlns:v="urn:schemas-microsoft-com:vml" xmlns:pvml="urn:schemas-microsoft-com:office:powerpoint" xmlns:com="http://schemas.openxmlformats.org/drawingml/2006/compatibility" xmlns:p14="http://schemas.microsoft.com/office/powerpoint/2010/main" xmlns:p15="http://schemas.microsoft.com/office/powerpoint/2012/main" xmlns:ahyp="http://schemas.microsoft.com/office/drawing/2018/hyperlinkcolor" xmlns:go="http://customooxmlschemas.google.com/" r:id="rId27" roundtripDataSignature="AMtx7mhnFQsu0qTBRZ+C47HNp0tuHCNkog=="/>
+      <go:slidesCustomData xmlns:go="http://customooxmlschemas.google.com/" xmlns:ahyp="http://schemas.microsoft.com/office/drawing/2018/hyperlinkcolor" xmlns:p15="http://schemas.microsoft.com/office/powerpoint/2012/main" xmlns:p14="http://schemas.microsoft.com/office/powerpoint/2010/main" xmlns:com="http://schemas.openxmlformats.org/drawingml/2006/compatibility" xmlns:pvml="urn:schemas-microsoft-com:office:powerpoint" xmlns:v="urn:schemas-microsoft-com:vml" xmlns:o="urn:schemas-microsoft-com:office:office" xmlns:dgm="http://schemas.openxmlformats.org/drawingml/2006/diagram" xmlns:c="http://schemas.openxmlformats.org/drawingml/2006/chart" xmlns:mv="urn:schemas-microsoft-com:mac:vml" xmlns:mc="http://schemas.openxmlformats.org/markup-compatibility/2006" xmlns="" r:id="rId27" roundtripDataSignature="AMtx7mhnFQsu0qTBRZ+C47HNp0tuHCNkog=="/>
     </p:ext>
   </p:extLst>
 </p:presentation>
@@ -1867,133 +1866,6 @@
         <p:cNvPr id="1" name="Shape 106">
           <a:extLst>
             <a:ext uri="{FF2B5EF4-FFF2-40B4-BE49-F238E27FC236}">
-              <a16:creationId xmlns:a16="http://schemas.microsoft.com/office/drawing/2014/main" id="{BEB4DAA2-FC9B-177B-ACF0-B9CF4EA4158E}"/>
-            </a:ext>
-          </a:extLst>
-        </p:cNvPr>
-        <p:cNvGrpSpPr/>
-        <p:nvPr/>
-      </p:nvGrpSpPr>
-      <p:grpSpPr>
-        <a:xfrm>
-          <a:off x="0" y="0"/>
-          <a:ext cx="0" cy="0"/>
-          <a:chOff x="0" y="0"/>
-          <a:chExt cx="0" cy="0"/>
-        </a:xfrm>
-      </p:grpSpPr>
-      <p:sp>
-        <p:nvSpPr>
-          <p:cNvPr id="107" name="Google Shape;107;p4:notes">
-            <a:extLst>
-              <a:ext uri="{FF2B5EF4-FFF2-40B4-BE49-F238E27FC236}">
-                <a16:creationId xmlns:a16="http://schemas.microsoft.com/office/drawing/2014/main" id="{618E3FCF-F29E-B4B9-1466-AA19BBA341D9}"/>
-              </a:ext>
-            </a:extLst>
-          </p:cNvPr>
-          <p:cNvSpPr txBox="1">
-            <a:spLocks noGrp="1"/>
-          </p:cNvSpPr>
-          <p:nvPr>
-            <p:ph type="body" idx="1"/>
-          </p:nvPr>
-        </p:nvSpPr>
-        <p:spPr>
-          <a:xfrm>
-            <a:off x="685800" y="4400550"/>
-            <a:ext cx="5486400" cy="3600450"/>
-          </a:xfrm>
-          <a:prstGeom prst="rect">
-            <a:avLst/>
-          </a:prstGeom>
-        </p:spPr>
-        <p:txBody>
-          <a:bodyPr spcFirstLastPara="1" wrap="square" lIns="91425" tIns="45700" rIns="91425" bIns="45700" anchor="t" anchorCtr="0">
-            <a:noAutofit/>
-          </a:bodyPr>
-          <a:lstStyle/>
-          <a:p>
-            <a:pPr marL="0" lvl="0" indent="0" algn="l" rtl="0">
-              <a:spcBef>
-                <a:spcPts val="0"/>
-              </a:spcBef>
-              <a:spcAft>
-                <a:spcPts val="0"/>
-              </a:spcAft>
-              <a:buNone/>
-            </a:pPr>
-            <a:endParaRPr/>
-          </a:p>
-        </p:txBody>
-      </p:sp>
-      <p:sp>
-        <p:nvSpPr>
-          <p:cNvPr id="108" name="Google Shape;108;p4:notes">
-            <a:extLst>
-              <a:ext uri="{FF2B5EF4-FFF2-40B4-BE49-F238E27FC236}">
-                <a16:creationId xmlns:a16="http://schemas.microsoft.com/office/drawing/2014/main" id="{1BDA069E-9022-BC69-CC06-F8F9E8BF32FC}"/>
-              </a:ext>
-            </a:extLst>
-          </p:cNvPr>
-          <p:cNvSpPr>
-            <a:spLocks noGrp="1" noRot="1" noChangeAspect="1"/>
-          </p:cNvSpPr>
-          <p:nvPr>
-            <p:ph type="sldImg" idx="2"/>
-          </p:nvPr>
-        </p:nvSpPr>
-        <p:spPr>
-          <a:xfrm>
-            <a:off x="685800" y="1143000"/>
-            <a:ext cx="5486400" cy="3086100"/>
-          </a:xfrm>
-          <a:custGeom>
-            <a:avLst/>
-            <a:gdLst/>
-            <a:ahLst/>
-            <a:cxnLst/>
-            <a:rect l="l" t="t" r="r" b="b"/>
-            <a:pathLst>
-              <a:path w="120000" h="120000" extrusionOk="0">
-                <a:moveTo>
-                  <a:pt x="0" y="0"/>
-                </a:moveTo>
-                <a:lnTo>
-                  <a:pt x="120000" y="0"/>
-                </a:lnTo>
-                <a:lnTo>
-                  <a:pt x="120000" y="120000"/>
-                </a:lnTo>
-                <a:lnTo>
-                  <a:pt x="0" y="120000"/>
-                </a:lnTo>
-                <a:close/>
-              </a:path>
-            </a:pathLst>
-          </a:custGeom>
-        </p:spPr>
-      </p:sp>
-    </p:spTree>
-    <p:extLst>
-      <p:ext uri="{BB962C8B-B14F-4D97-AF65-F5344CB8AC3E}">
-        <p14:creationId xmlns:p14="http://schemas.microsoft.com/office/powerpoint/2010/main" val="2827682778"/>
-      </p:ext>
-    </p:extLst>
-  </p:cSld>
-  <p:clrMapOvr>
-    <a:masterClrMapping/>
-  </p:clrMapOvr>
-</p:notes>
-</file>
-
-<file path=ppt/notesSlides/notesSlide13.xml><?xml version="1.0" encoding="utf-8"?>
-<p:notes xmlns:a="http://schemas.openxmlformats.org/drawingml/2006/main" xmlns:r="http://schemas.openxmlformats.org/officeDocument/2006/relationships" xmlns:p="http://schemas.openxmlformats.org/presentationml/2006/main" showMasterSp="0" showMasterPhAnim="0">
-  <p:cSld>
-    <p:spTree>
-      <p:nvGrpSpPr>
-        <p:cNvPr id="1" name="Shape 106">
-          <a:extLst>
-            <a:ext uri="{FF2B5EF4-FFF2-40B4-BE49-F238E27FC236}">
               <a16:creationId xmlns:a16="http://schemas.microsoft.com/office/drawing/2014/main" id="{02DEDDBC-2349-B7F2-B85A-880C7D3B9416}"/>
             </a:ext>
           </a:extLst>
@@ -2113,7 +1985,7 @@
 </p:notes>
 </file>
 
-<file path=ppt/notesSlides/notesSlide14.xml><?xml version="1.0" encoding="utf-8"?>
+<file path=ppt/notesSlides/notesSlide13.xml><?xml version="1.0" encoding="utf-8"?>
 <p:notes xmlns:a="http://schemas.openxmlformats.org/drawingml/2006/main" xmlns:r="http://schemas.openxmlformats.org/officeDocument/2006/relationships" xmlns:p="http://schemas.openxmlformats.org/presentationml/2006/main" showMasterSp="0" showMasterPhAnim="0">
   <p:cSld>
     <p:spTree>
@@ -2240,7 +2112,7 @@
 </p:notes>
 </file>
 
-<file path=ppt/notesSlides/notesSlide15.xml><?xml version="1.0" encoding="utf-8"?>
+<file path=ppt/notesSlides/notesSlide14.xml><?xml version="1.0" encoding="utf-8"?>
 <p:notes xmlns:a="http://schemas.openxmlformats.org/drawingml/2006/main" xmlns:r="http://schemas.openxmlformats.org/officeDocument/2006/relationships" xmlns:p="http://schemas.openxmlformats.org/presentationml/2006/main" showMasterSp="0" showMasterPhAnim="0">
   <p:cSld>
     <p:spTree>
@@ -14593,234 +14465,6 @@
         <p:cNvPr id="1" name="Shape 109">
           <a:extLst>
             <a:ext uri="{FF2B5EF4-FFF2-40B4-BE49-F238E27FC236}">
-              <a16:creationId xmlns:a16="http://schemas.microsoft.com/office/drawing/2014/main" id="{103956C5-0805-85C6-AB96-2DEA3E0DC463}"/>
-            </a:ext>
-          </a:extLst>
-        </p:cNvPr>
-        <p:cNvGrpSpPr/>
-        <p:nvPr/>
-      </p:nvGrpSpPr>
-      <p:grpSpPr>
-        <a:xfrm>
-          <a:off x="0" y="0"/>
-          <a:ext cx="0" cy="0"/>
-          <a:chOff x="0" y="0"/>
-          <a:chExt cx="0" cy="0"/>
-        </a:xfrm>
-      </p:grpSpPr>
-      <p:sp>
-        <p:nvSpPr>
-          <p:cNvPr id="110" name="Google Shape;110;p4">
-            <a:extLst>
-              <a:ext uri="{FF2B5EF4-FFF2-40B4-BE49-F238E27FC236}">
-                <a16:creationId xmlns:a16="http://schemas.microsoft.com/office/drawing/2014/main" id="{86A9196B-D4B8-DB73-D1BB-7E4D8C0538D3}"/>
-              </a:ext>
-            </a:extLst>
-          </p:cNvPr>
-          <p:cNvSpPr txBox="1">
-            <a:spLocks noGrp="1"/>
-          </p:cNvSpPr>
-          <p:nvPr>
-            <p:ph type="title"/>
-          </p:nvPr>
-        </p:nvSpPr>
-        <p:spPr>
-          <a:xfrm>
-            <a:off x="208472" y="18255"/>
-            <a:ext cx="10515600" cy="1325563"/>
-          </a:xfrm>
-          <a:prstGeom prst="rect">
-            <a:avLst/>
-          </a:prstGeom>
-          <a:noFill/>
-          <a:ln>
-            <a:noFill/>
-          </a:ln>
-        </p:spPr>
-        <p:txBody>
-          <a:bodyPr spcFirstLastPara="1" wrap="square" lIns="91425" tIns="45700" rIns="91425" bIns="45700" anchor="ctr" anchorCtr="0">
-            <a:normAutofit/>
-          </a:bodyPr>
-          <a:lstStyle/>
-          <a:p>
-            <a:pPr marL="0" lvl="0" indent="0" algn="l" rtl="0">
-              <a:lnSpc>
-                <a:spcPct val="90000"/>
-              </a:lnSpc>
-              <a:spcBef>
-                <a:spcPts val="0"/>
-              </a:spcBef>
-              <a:spcAft>
-                <a:spcPts val="0"/>
-              </a:spcAft>
-              <a:buClr>
-                <a:srgbClr val="FF0000"/>
-              </a:buClr>
-              <a:buSzPts val="4400"/>
-              <a:buFont typeface="Calibri"/>
-              <a:buNone/>
-            </a:pPr>
-            <a:r>
-              <a:rPr lang="en-IN" b="1">
-                <a:solidFill>
-                  <a:srgbClr val="FF0000"/>
-                </a:solidFill>
-              </a:rPr>
-              <a:t>Agenda (This should be the PPT flow)  </a:t>
-            </a:r>
-            <a:endParaRPr b="1">
-              <a:solidFill>
-                <a:srgbClr val="FF0000"/>
-              </a:solidFill>
-            </a:endParaRPr>
-          </a:p>
-        </p:txBody>
-      </p:sp>
-      <p:sp>
-        <p:nvSpPr>
-          <p:cNvPr id="111" name="Google Shape;111;p4">
-            <a:extLst>
-              <a:ext uri="{FF2B5EF4-FFF2-40B4-BE49-F238E27FC236}">
-                <a16:creationId xmlns:a16="http://schemas.microsoft.com/office/drawing/2014/main" id="{80650D3C-E77D-73CB-54A4-9A0145B26A31}"/>
-              </a:ext>
-            </a:extLst>
-          </p:cNvPr>
-          <p:cNvSpPr txBox="1">
-            <a:spLocks noGrp="1"/>
-          </p:cNvSpPr>
-          <p:nvPr>
-            <p:ph type="body" idx="1"/>
-          </p:nvPr>
-        </p:nvSpPr>
-        <p:spPr>
-          <a:xfrm>
-            <a:off x="684880" y="1919030"/>
-            <a:ext cx="10515600" cy="4351338"/>
-          </a:xfrm>
-          <a:prstGeom prst="rect">
-            <a:avLst/>
-          </a:prstGeom>
-          <a:noFill/>
-          <a:ln>
-            <a:noFill/>
-          </a:ln>
-        </p:spPr>
-        <p:txBody>
-          <a:bodyPr spcFirstLastPara="1" wrap="square" lIns="91425" tIns="45700" rIns="91425" bIns="45700" anchor="t" anchorCtr="0">
-            <a:normAutofit/>
-          </a:bodyPr>
-          <a:lstStyle/>
-          <a:p>
-            <a:pPr marL="228600" lvl="0" indent="-228600" algn="l" rtl="0">
-              <a:lnSpc>
-                <a:spcPct val="90000"/>
-              </a:lnSpc>
-              <a:spcBef>
-                <a:spcPts val="1000"/>
-              </a:spcBef>
-              <a:spcAft>
-                <a:spcPts val="0"/>
-              </a:spcAft>
-              <a:buClr>
-                <a:schemeClr val="dk1"/>
-              </a:buClr>
-              <a:buSzPct val="100000"/>
-              <a:buChar char="•"/>
-            </a:pPr>
-            <a:r>
-              <a:rPr lang="en-IN" b="1" dirty="0"/>
-              <a:t>Conclusion (Key finding overall) </a:t>
-            </a:r>
-            <a:endParaRPr dirty="0"/>
-          </a:p>
-          <a:p>
-            <a:pPr marL="228600" lvl="0" indent="-228600" algn="l" rtl="0">
-              <a:lnSpc>
-                <a:spcPct val="90000"/>
-              </a:lnSpc>
-              <a:spcBef>
-                <a:spcPts val="1000"/>
-              </a:spcBef>
-              <a:spcAft>
-                <a:spcPts val="0"/>
-              </a:spcAft>
-              <a:buClr>
-                <a:schemeClr val="dk1"/>
-              </a:buClr>
-              <a:buSzPct val="100000"/>
-              <a:buChar char="•"/>
-            </a:pPr>
-            <a:r>
-              <a:rPr lang="en-IN" b="1" dirty="0"/>
-              <a:t>Q&amp;A Slide </a:t>
-            </a:r>
-            <a:endParaRPr dirty="0"/>
-          </a:p>
-          <a:p>
-            <a:pPr marL="228600" lvl="0" indent="-228600" algn="l" rtl="0">
-              <a:lnSpc>
-                <a:spcPct val="90000"/>
-              </a:lnSpc>
-              <a:spcBef>
-                <a:spcPts val="1000"/>
-              </a:spcBef>
-              <a:spcAft>
-                <a:spcPts val="0"/>
-              </a:spcAft>
-              <a:buClr>
-                <a:schemeClr val="dk1"/>
-              </a:buClr>
-              <a:buSzPct val="100000"/>
-              <a:buChar char="•"/>
-            </a:pPr>
-            <a:r>
-              <a:rPr lang="en-IN" b="1" dirty="0"/>
-              <a:t>Your Experience/Challenges working on Web Scraping – Data Analysis Project.</a:t>
-            </a:r>
-            <a:endParaRPr dirty="0"/>
-          </a:p>
-          <a:p>
-            <a:pPr marL="228600" lvl="0" indent="-130810" algn="l" rtl="0">
-              <a:lnSpc>
-                <a:spcPct val="90000"/>
-              </a:lnSpc>
-              <a:spcBef>
-                <a:spcPts val="1000"/>
-              </a:spcBef>
-              <a:spcAft>
-                <a:spcPts val="0"/>
-              </a:spcAft>
-              <a:buClr>
-                <a:schemeClr val="dk1"/>
-              </a:buClr>
-              <a:buSzPct val="100000"/>
-              <a:buNone/>
-            </a:pPr>
-            <a:endParaRPr dirty="0"/>
-          </a:p>
-        </p:txBody>
-      </p:sp>
-    </p:spTree>
-    <p:extLst>
-      <p:ext uri="{BB962C8B-B14F-4D97-AF65-F5344CB8AC3E}">
-        <p14:creationId xmlns:p14="http://schemas.microsoft.com/office/powerpoint/2010/main" val="3299897911"/>
-      </p:ext>
-    </p:extLst>
-  </p:cSld>
-  <p:clrMapOvr>
-    <a:masterClrMapping/>
-  </p:clrMapOvr>
-</p:sld>
-</file>
-
-<file path=ppt/slides/slide13.xml><?xml version="1.0" encoding="utf-8"?>
-<p:sld xmlns:a="http://schemas.openxmlformats.org/drawingml/2006/main" xmlns:r="http://schemas.openxmlformats.org/officeDocument/2006/relationships" xmlns:p="http://schemas.openxmlformats.org/presentationml/2006/main">
-  <p:cSld>
-    <p:spTree>
-      <p:nvGrpSpPr>
-        <p:cNvPr id="1" name="Shape 109">
-          <a:extLst>
-            <a:ext uri="{FF2B5EF4-FFF2-40B4-BE49-F238E27FC236}">
               <a16:creationId xmlns:a16="http://schemas.microsoft.com/office/drawing/2014/main" id="{F7707C95-8505-D8FD-1E1C-92BA7B798318}"/>
             </a:ext>
           </a:extLst>
@@ -15276,7 +14920,7 @@
 </p:sld>
 </file>
 
-<file path=ppt/slides/slide14.xml><?xml version="1.0" encoding="utf-8"?>
+<file path=ppt/slides/slide13.xml><?xml version="1.0" encoding="utf-8"?>
 <p:sld xmlns:a="http://schemas.openxmlformats.org/drawingml/2006/main" xmlns:r="http://schemas.openxmlformats.org/officeDocument/2006/relationships" xmlns:p="http://schemas.openxmlformats.org/presentationml/2006/main">
   <p:cSld>
     <p:spTree>
@@ -15555,7 +15199,7 @@
 </p:sld>
 </file>
 
-<file path=ppt/slides/slide15.xml><?xml version="1.0" encoding="utf-8"?>
+<file path=ppt/slides/slide14.xml><?xml version="1.0" encoding="utf-8"?>
 <p:sld xmlns:a="http://schemas.openxmlformats.org/drawingml/2006/main" xmlns:r="http://schemas.openxmlformats.org/officeDocument/2006/relationships" xmlns:p="http://schemas.openxmlformats.org/presentationml/2006/main">
   <p:cSld>
     <p:spTree>
